--- a/docs/songs/evalasting god.pptx
+++ b/docs/songs/evalasting god.pptx
@@ -308,7 +308,7 @@
             <a:fld id="{26EA1CF3-4A15-4CBF-9A5A-6A56C368BE71}" type="datetimeFigureOut">
               <a:rPr lang="en-GB" smtClean="0"/>
               <a:pPr/>
-              <a:t>03/10/2022</a:t>
+              <a:t>16/02/2026</a:t>
             </a:fld>
             <a:endParaRPr lang="en-GB"/>
           </a:p>
@@ -475,7 +475,7 @@
             <a:fld id="{26EA1CF3-4A15-4CBF-9A5A-6A56C368BE71}" type="datetimeFigureOut">
               <a:rPr lang="en-GB" smtClean="0"/>
               <a:pPr/>
-              <a:t>03/10/2022</a:t>
+              <a:t>16/02/2026</a:t>
             </a:fld>
             <a:endParaRPr lang="en-GB"/>
           </a:p>
@@ -652,7 +652,7 @@
             <a:fld id="{26EA1CF3-4A15-4CBF-9A5A-6A56C368BE71}" type="datetimeFigureOut">
               <a:rPr lang="en-GB" smtClean="0"/>
               <a:pPr/>
-              <a:t>03/10/2022</a:t>
+              <a:t>16/02/2026</a:t>
             </a:fld>
             <a:endParaRPr lang="en-GB"/>
           </a:p>
@@ -819,7 +819,7 @@
             <a:fld id="{26EA1CF3-4A15-4CBF-9A5A-6A56C368BE71}" type="datetimeFigureOut">
               <a:rPr lang="en-GB" smtClean="0"/>
               <a:pPr/>
-              <a:t>03/10/2022</a:t>
+              <a:t>16/02/2026</a:t>
             </a:fld>
             <a:endParaRPr lang="en-GB"/>
           </a:p>
@@ -1062,7 +1062,7 @@
             <a:fld id="{26EA1CF3-4A15-4CBF-9A5A-6A56C368BE71}" type="datetimeFigureOut">
               <a:rPr lang="en-GB" smtClean="0"/>
               <a:pPr/>
-              <a:t>03/10/2022</a:t>
+              <a:t>16/02/2026</a:t>
             </a:fld>
             <a:endParaRPr lang="en-GB"/>
           </a:p>
@@ -1347,7 +1347,7 @@
             <a:fld id="{26EA1CF3-4A15-4CBF-9A5A-6A56C368BE71}" type="datetimeFigureOut">
               <a:rPr lang="en-GB" smtClean="0"/>
               <a:pPr/>
-              <a:t>03/10/2022</a:t>
+              <a:t>16/02/2026</a:t>
             </a:fld>
             <a:endParaRPr lang="en-GB"/>
           </a:p>
@@ -1766,7 +1766,7 @@
             <a:fld id="{26EA1CF3-4A15-4CBF-9A5A-6A56C368BE71}" type="datetimeFigureOut">
               <a:rPr lang="en-GB" smtClean="0"/>
               <a:pPr/>
-              <a:t>03/10/2022</a:t>
+              <a:t>16/02/2026</a:t>
             </a:fld>
             <a:endParaRPr lang="en-GB"/>
           </a:p>
@@ -1881,7 +1881,7 @@
             <a:fld id="{26EA1CF3-4A15-4CBF-9A5A-6A56C368BE71}" type="datetimeFigureOut">
               <a:rPr lang="en-GB" smtClean="0"/>
               <a:pPr/>
-              <a:t>03/10/2022</a:t>
+              <a:t>16/02/2026</a:t>
             </a:fld>
             <a:endParaRPr lang="en-GB"/>
           </a:p>
@@ -1973,7 +1973,7 @@
             <a:fld id="{26EA1CF3-4A15-4CBF-9A5A-6A56C368BE71}" type="datetimeFigureOut">
               <a:rPr lang="en-GB" smtClean="0"/>
               <a:pPr/>
-              <a:t>03/10/2022</a:t>
+              <a:t>16/02/2026</a:t>
             </a:fld>
             <a:endParaRPr lang="en-GB"/>
           </a:p>
@@ -2247,7 +2247,7 @@
             <a:fld id="{26EA1CF3-4A15-4CBF-9A5A-6A56C368BE71}" type="datetimeFigureOut">
               <a:rPr lang="en-GB" smtClean="0"/>
               <a:pPr/>
-              <a:t>03/10/2022</a:t>
+              <a:t>16/02/2026</a:t>
             </a:fld>
             <a:endParaRPr lang="en-GB"/>
           </a:p>
@@ -2497,7 +2497,7 @@
             <a:fld id="{26EA1CF3-4A15-4CBF-9A5A-6A56C368BE71}" type="datetimeFigureOut">
               <a:rPr lang="en-GB" smtClean="0"/>
               <a:pPr/>
-              <a:t>03/10/2022</a:t>
+              <a:t>16/02/2026</a:t>
             </a:fld>
             <a:endParaRPr lang="en-GB"/>
           </a:p>
@@ -2710,7 +2710,7 @@
             <a:fld id="{26EA1CF3-4A15-4CBF-9A5A-6A56C368BE71}" type="datetimeFigureOut">
               <a:rPr lang="en-GB" smtClean="0"/>
               <a:pPr/>
-              <a:t>03/10/2022</a:t>
+              <a:t>16/02/2026</a:t>
             </a:fld>
             <a:endParaRPr lang="en-GB"/>
           </a:p>
@@ -3252,7 +3252,7 @@
         </p:nvSpPr>
         <p:spPr>
           <a:xfrm>
-            <a:off x="323528" y="188640"/>
+            <a:off x="323528" y="836712"/>
             <a:ext cx="8640960" cy="6480720"/>
           </a:xfrm>
         </p:spPr>
@@ -3263,7 +3263,7 @@
           <a:lstStyle/>
           <a:p>
             <a:r>
-              <a:rPr lang="en-GB" sz="4600" dirty="0">
+              <a:rPr lang="en-GB" sz="3600" dirty="0">
                 <a:solidFill>
                   <a:schemeClr val="bg1"/>
                 </a:solidFill>
@@ -3273,7 +3273,7 @@
           </a:p>
           <a:p>
             <a:r>
-              <a:rPr lang="en-GB" sz="4600" dirty="0">
+              <a:rPr lang="en-GB" sz="3600" dirty="0">
                 <a:solidFill>
                   <a:schemeClr val="bg1"/>
                 </a:solidFill>
@@ -3283,7 +3283,7 @@
           </a:p>
           <a:p>
             <a:r>
-              <a:rPr lang="en-GB" sz="4600" dirty="0">
+              <a:rPr lang="en-GB" sz="3600" dirty="0">
                 <a:solidFill>
                   <a:schemeClr val="bg1"/>
                 </a:solidFill>
@@ -3293,7 +3293,7 @@
           </a:p>
           <a:p>
             <a:r>
-              <a:rPr lang="en-GB" sz="4600" dirty="0">
+              <a:rPr lang="en-GB" sz="3600" dirty="0">
                 <a:solidFill>
                   <a:schemeClr val="bg1"/>
                 </a:solidFill>
@@ -3303,7 +3303,7 @@
           </a:p>
           <a:p>
             <a:r>
-              <a:rPr lang="en-GB" sz="4600" dirty="0">
+              <a:rPr lang="en-GB" sz="3600" dirty="0">
                 <a:solidFill>
                   <a:schemeClr val="bg1"/>
                 </a:solidFill>
@@ -3313,7 +3313,7 @@
           </a:p>
           <a:p>
             <a:r>
-              <a:rPr lang="en-GB" sz="4600" dirty="0">
+              <a:rPr lang="en-GB" sz="3600" dirty="0">
                 <a:solidFill>
                   <a:schemeClr val="bg1"/>
                 </a:solidFill>
@@ -3408,14 +3408,14 @@
           </a:bodyPr>
           <a:lstStyle/>
           <a:p>
-            <a:endParaRPr lang="en-GB" sz="5000" dirty="0">
+            <a:endParaRPr lang="en-GB" sz="3600" dirty="0">
               <a:solidFill>
                 <a:schemeClr val="bg1"/>
               </a:solidFill>
             </a:endParaRPr>
           </a:p>
           <a:p>
-            <a:endParaRPr lang="en-GB" sz="5000" dirty="0">
+            <a:endParaRPr lang="en-GB" sz="3600" dirty="0">
               <a:solidFill>
                 <a:schemeClr val="bg1"/>
               </a:solidFill>
@@ -3423,7 +3423,7 @@
           </a:p>
           <a:p>
             <a:r>
-              <a:rPr lang="en-GB" sz="5000" dirty="0">
+              <a:rPr lang="en-GB" sz="3600" dirty="0">
                 <a:solidFill>
                   <a:schemeClr val="bg1"/>
                 </a:solidFill>
@@ -3433,7 +3433,7 @@
           </a:p>
           <a:p>
             <a:r>
-              <a:rPr lang="en-GB" sz="5000" dirty="0">
+              <a:rPr lang="en-GB" sz="3600" dirty="0">
                 <a:solidFill>
                   <a:schemeClr val="bg1"/>
                 </a:solidFill>
@@ -3441,14 +3441,14 @@
               <a:t>Our Hope our strong </a:t>
             </a:r>
             <a:r>
-              <a:rPr lang="en-GB" sz="5000" dirty="0" err="1">
+              <a:rPr lang="en-GB" sz="3600" dirty="0" err="1">
                 <a:solidFill>
                   <a:schemeClr val="bg1"/>
                 </a:solidFill>
               </a:rPr>
               <a:t>Deliv'rer</a:t>
             </a:r>
-            <a:endParaRPr lang="en-GB" sz="5000" dirty="0">
+            <a:endParaRPr lang="en-GB" sz="3600" dirty="0">
               <a:solidFill>
                 <a:schemeClr val="bg1"/>
               </a:solidFill>
@@ -3531,7 +3531,7 @@
         </p:nvSpPr>
         <p:spPr>
           <a:xfrm>
-            <a:off x="107504" y="188640"/>
+            <a:off x="143508" y="764704"/>
             <a:ext cx="8856984" cy="6480720"/>
           </a:xfrm>
         </p:spPr>
@@ -3542,7 +3542,7 @@
           <a:lstStyle/>
           <a:p>
             <a:r>
-              <a:rPr lang="en-GB" sz="5000" dirty="0">
+              <a:rPr lang="en-GB" sz="3600" dirty="0">
                 <a:solidFill>
                   <a:schemeClr val="bg1"/>
                 </a:solidFill>
@@ -3552,7 +3552,7 @@
           </a:p>
           <a:p>
             <a:r>
-              <a:rPr lang="en-GB" sz="5000" dirty="0">
+              <a:rPr lang="en-GB" sz="3600" dirty="0">
                 <a:solidFill>
                   <a:schemeClr val="bg1"/>
                 </a:solidFill>
@@ -3562,7 +3562,7 @@
           </a:p>
           <a:p>
             <a:r>
-              <a:rPr lang="en-GB" sz="5000" dirty="0">
+              <a:rPr lang="en-GB" sz="3600" dirty="0">
                 <a:solidFill>
                   <a:schemeClr val="bg1"/>
                 </a:solidFill>
@@ -3572,7 +3572,7 @@
           </a:p>
           <a:p>
             <a:r>
-              <a:rPr lang="en-GB" sz="5000" dirty="0">
+              <a:rPr lang="en-GB" sz="3600" dirty="0">
                 <a:solidFill>
                   <a:schemeClr val="bg1"/>
                 </a:solidFill>
@@ -3582,7 +3582,7 @@
           </a:p>
           <a:p>
             <a:r>
-              <a:rPr lang="en-GB" sz="5000" dirty="0">
+              <a:rPr lang="en-GB" sz="3600" dirty="0">
                 <a:solidFill>
                   <a:schemeClr val="bg1"/>
                 </a:solidFill>
@@ -3592,7 +3592,7 @@
           </a:p>
           <a:p>
             <a:r>
-              <a:rPr lang="en-GB" sz="5000" dirty="0">
+              <a:rPr lang="en-GB" sz="3600" dirty="0">
                 <a:solidFill>
                   <a:schemeClr val="bg1"/>
                 </a:solidFill>
@@ -3602,7 +3602,7 @@
           </a:p>
           <a:p>
             <a:r>
-              <a:rPr lang="en-GB" sz="5000" dirty="0">
+              <a:rPr lang="en-GB" sz="3600" dirty="0">
                 <a:solidFill>
                   <a:schemeClr val="bg1"/>
                 </a:solidFill>
